--- a/Presentation.pptx
+++ b/Presentation.pptx
@@ -313,7 +313,7 @@
             <a:fld id="{CCF420CA-4711-4DCE-A224-753233308D6E}" type="datetimeFigureOut">
               <a:rPr lang="en-US" smtClean="0"/>
               <a:pPr/>
-              <a:t>1/10/2021</a:t>
+              <a:t>1/31/2021</a:t>
             </a:fld>
             <a:endParaRPr lang="en-US"/>
           </a:p>
@@ -480,7 +480,7 @@
             <a:fld id="{CCF420CA-4711-4DCE-A224-753233308D6E}" type="datetimeFigureOut">
               <a:rPr lang="en-US" smtClean="0"/>
               <a:pPr/>
-              <a:t>1/10/2021</a:t>
+              <a:t>1/31/2021</a:t>
             </a:fld>
             <a:endParaRPr lang="en-US"/>
           </a:p>
@@ -657,7 +657,7 @@
             <a:fld id="{CCF420CA-4711-4DCE-A224-753233308D6E}" type="datetimeFigureOut">
               <a:rPr lang="en-US" smtClean="0"/>
               <a:pPr/>
-              <a:t>1/10/2021</a:t>
+              <a:t>1/31/2021</a:t>
             </a:fld>
             <a:endParaRPr lang="en-US"/>
           </a:p>
@@ -824,7 +824,7 @@
             <a:fld id="{CCF420CA-4711-4DCE-A224-753233308D6E}" type="datetimeFigureOut">
               <a:rPr lang="en-US" smtClean="0"/>
               <a:pPr/>
-              <a:t>1/10/2021</a:t>
+              <a:t>1/31/2021</a:t>
             </a:fld>
             <a:endParaRPr lang="en-US"/>
           </a:p>
@@ -1067,7 +1067,7 @@
             <a:fld id="{CCF420CA-4711-4DCE-A224-753233308D6E}" type="datetimeFigureOut">
               <a:rPr lang="en-US" smtClean="0"/>
               <a:pPr/>
-              <a:t>1/10/2021</a:t>
+              <a:t>1/31/2021</a:t>
             </a:fld>
             <a:endParaRPr lang="en-US"/>
           </a:p>
@@ -1352,7 +1352,7 @@
             <a:fld id="{CCF420CA-4711-4DCE-A224-753233308D6E}" type="datetimeFigureOut">
               <a:rPr lang="en-US" smtClean="0"/>
               <a:pPr/>
-              <a:t>1/10/2021</a:t>
+              <a:t>1/31/2021</a:t>
             </a:fld>
             <a:endParaRPr lang="en-US"/>
           </a:p>
@@ -1771,7 +1771,7 @@
             <a:fld id="{CCF420CA-4711-4DCE-A224-753233308D6E}" type="datetimeFigureOut">
               <a:rPr lang="en-US" smtClean="0"/>
               <a:pPr/>
-              <a:t>1/10/2021</a:t>
+              <a:t>1/31/2021</a:t>
             </a:fld>
             <a:endParaRPr lang="en-US"/>
           </a:p>
@@ -1886,7 +1886,7 @@
             <a:fld id="{CCF420CA-4711-4DCE-A224-753233308D6E}" type="datetimeFigureOut">
               <a:rPr lang="en-US" smtClean="0"/>
               <a:pPr/>
-              <a:t>1/10/2021</a:t>
+              <a:t>1/31/2021</a:t>
             </a:fld>
             <a:endParaRPr lang="en-US"/>
           </a:p>
@@ -1978,7 +1978,7 @@
             <a:fld id="{CCF420CA-4711-4DCE-A224-753233308D6E}" type="datetimeFigureOut">
               <a:rPr lang="en-US" smtClean="0"/>
               <a:pPr/>
-              <a:t>1/10/2021</a:t>
+              <a:t>1/31/2021</a:t>
             </a:fld>
             <a:endParaRPr lang="en-US"/>
           </a:p>
@@ -2252,7 +2252,7 @@
             <a:fld id="{CCF420CA-4711-4DCE-A224-753233308D6E}" type="datetimeFigureOut">
               <a:rPr lang="en-US" smtClean="0"/>
               <a:pPr/>
-              <a:t>1/10/2021</a:t>
+              <a:t>1/31/2021</a:t>
             </a:fld>
             <a:endParaRPr lang="en-US"/>
           </a:p>
@@ -2502,7 +2502,7 @@
             <a:fld id="{CCF420CA-4711-4DCE-A224-753233308D6E}" type="datetimeFigureOut">
               <a:rPr lang="en-US" smtClean="0"/>
               <a:pPr/>
-              <a:t>1/10/2021</a:t>
+              <a:t>1/31/2021</a:t>
             </a:fld>
             <a:endParaRPr lang="en-US"/>
           </a:p>
@@ -2712,7 +2712,7 @@
             <a:fld id="{CCF420CA-4711-4DCE-A224-753233308D6E}" type="datetimeFigureOut">
               <a:rPr lang="en-US" smtClean="0"/>
               <a:pPr/>
-              <a:t>1/10/2021</a:t>
+              <a:t>1/31/2021</a:t>
             </a:fld>
             <a:endParaRPr lang="en-US"/>
           </a:p>
@@ -3173,7 +3173,7 @@
                 </a:solidFill>
                 <a:latin typeface="Britannic Bold" pitchFamily="34" charset="0"/>
               </a:rPr>
-              <a:t>Project – Enterprise AI</a:t>
+              <a:t>Topic – Enterprise AI</a:t>
             </a:r>
             <a:endParaRPr lang="en-US" sz="3600" dirty="0">
               <a:solidFill>
@@ -3193,7 +3193,7 @@
         <p:spPr>
           <a:xfrm>
             <a:off x="152400" y="3352800"/>
-            <a:ext cx="8839200" cy="1938992"/>
+            <a:ext cx="8839200" cy="2862322"/>
           </a:xfrm>
           <a:prstGeom prst="rect">
             <a:avLst/>
@@ -3208,19 +3208,19 @@
           <a:p>
             <a:r>
               <a:rPr lang="en-US" sz="2000" dirty="0" smtClean="0">
-                <a:latin typeface="Britannic Bold" pitchFamily="34" charset="0"/>
+                <a:latin typeface="Baskerville Old Face" pitchFamily="18" charset="0"/>
               </a:rPr>
               <a:t>Name		:	</a:t>
             </a:r>
             <a:r>
               <a:rPr lang="en-US" sz="2000" dirty="0" err="1" smtClean="0">
-                <a:latin typeface="Britannic Bold" pitchFamily="34" charset="0"/>
+                <a:latin typeface="Baskerville Old Face" pitchFamily="18" charset="0"/>
               </a:rPr>
               <a:t>Jaydeep</a:t>
             </a:r>
             <a:r>
               <a:rPr lang="en-US" sz="2000" dirty="0" smtClean="0">
-                <a:latin typeface="Britannic Bold" pitchFamily="34" charset="0"/>
+                <a:latin typeface="Baskerville Old Face" pitchFamily="18" charset="0"/>
               </a:rPr>
               <a:t> Das</a:t>
             </a:r>
@@ -3228,19 +3228,19 @@
           <a:p>
             <a:r>
               <a:rPr lang="en-US" sz="2000" dirty="0" smtClean="0">
-                <a:latin typeface="Britannic Bold" pitchFamily="34" charset="0"/>
+                <a:latin typeface="Baskerville Old Face" pitchFamily="18" charset="0"/>
               </a:rPr>
               <a:t>College		:	</a:t>
             </a:r>
             <a:r>
               <a:rPr lang="en-US" sz="2000" dirty="0" err="1" smtClean="0">
-                <a:latin typeface="Britannic Bold" pitchFamily="34" charset="0"/>
+                <a:latin typeface="Baskerville Old Face" pitchFamily="18" charset="0"/>
               </a:rPr>
               <a:t>Murshidabad</a:t>
             </a:r>
             <a:r>
               <a:rPr lang="en-US" sz="2000" dirty="0" smtClean="0">
-                <a:latin typeface="Britannic Bold" pitchFamily="34" charset="0"/>
+                <a:latin typeface="Baskerville Old Face" pitchFamily="18" charset="0"/>
               </a:rPr>
               <a:t> College of Engineering and Technology</a:t>
             </a:r>
@@ -3248,38 +3248,107 @@
           <a:p>
             <a:r>
               <a:rPr lang="en-US" sz="2000" dirty="0" smtClean="0">
-                <a:latin typeface="Britannic Bold" pitchFamily="34" charset="0"/>
+                <a:latin typeface="Baskerville Old Face" pitchFamily="18" charset="0"/>
               </a:rPr>
               <a:t>Reference No.	:	dt20207411725</a:t>
             </a:r>
           </a:p>
           <a:p>
+            <a:r>
+              <a:rPr lang="en-US" sz="2000" dirty="0" smtClean="0">
+                <a:latin typeface="Baskerville Old Face" pitchFamily="18" charset="0"/>
+              </a:rPr>
+              <a:t>E - mail		:	</a:t>
+            </a:r>
+            <a:r>
+              <a:rPr lang="en-US" sz="2000" dirty="0" smtClean="0">
+                <a:latin typeface="Baskerville Old Face" pitchFamily="18" charset="0"/>
+                <a:hlinkClick r:id="rId3"/>
+              </a:rPr>
+              <a:t>jaydeep.das@outlook.in</a:t>
+            </a:r>
+            <a:r>
+              <a:rPr lang="en-US" sz="2000" dirty="0" smtClean="0">
+                <a:latin typeface="Baskerville Old Face" pitchFamily="18" charset="0"/>
+              </a:rPr>
+              <a:t> / </a:t>
+            </a:r>
+            <a:r>
+              <a:rPr lang="en-US" sz="2000" dirty="0" smtClean="0">
+                <a:latin typeface="Baskerville Old Face" pitchFamily="18" charset="0"/>
+                <a:hlinkClick r:id="rId4"/>
+              </a:rPr>
+              <a:t>jaydeep.msd@gmail.com</a:t>
+            </a:r>
+            <a:r>
+              <a:rPr lang="en-US" sz="2000" dirty="0" smtClean="0">
+                <a:latin typeface="Baskerville Old Face" pitchFamily="18" charset="0"/>
+              </a:rPr>
+              <a:t> </a:t>
+            </a:r>
+          </a:p>
+          <a:p>
             <a:endParaRPr lang="en-US" sz="2000" dirty="0" smtClean="0">
-              <a:latin typeface="Britannic Bold" pitchFamily="34" charset="0"/>
+              <a:latin typeface="Baskerville Old Face" pitchFamily="18" charset="0"/>
             </a:endParaRPr>
           </a:p>
           <a:p>
             <a:r>
               <a:rPr lang="en-US" sz="2000" dirty="0" err="1" smtClean="0">
-                <a:latin typeface="Britannic Bold" pitchFamily="34" charset="0"/>
+                <a:latin typeface="Baskerville Old Face" pitchFamily="18" charset="0"/>
               </a:rPr>
               <a:t>Github</a:t>
             </a:r>
             <a:r>
               <a:rPr lang="en-US" sz="2000" dirty="0" smtClean="0">
-                <a:latin typeface="Britannic Bold" pitchFamily="34" charset="0"/>
+                <a:latin typeface="Baskerville Old Face" pitchFamily="18" charset="0"/>
               </a:rPr>
               <a:t> – project link:	 </a:t>
             </a:r>
             <a:r>
               <a:rPr lang="en-US" sz="2000" dirty="0" smtClean="0">
-                <a:latin typeface="Britannic Bold" pitchFamily="34" charset="0"/>
-                <a:hlinkClick r:id="rId3"/>
+                <a:latin typeface="Baskerville Old Face" pitchFamily="18" charset="0"/>
+                <a:hlinkClick r:id="rId5"/>
               </a:rPr>
               <a:t>https://github.com/JaydeepDas2000/PyAnalyzer_Restaurant_TCS_InfraMind</a:t>
             </a:r>
             <a:endParaRPr lang="en-US" sz="2000" dirty="0" smtClean="0">
-              <a:latin typeface="Britannic Bold" pitchFamily="34" charset="0"/>
+              <a:latin typeface="Baskerville Old Face" pitchFamily="18" charset="0"/>
+            </a:endParaRPr>
+          </a:p>
+          <a:p>
+            <a:endParaRPr lang="en-US" sz="2000" dirty="0" smtClean="0">
+              <a:latin typeface="Baskerville Old Face" pitchFamily="18" charset="0"/>
+            </a:endParaRPr>
+          </a:p>
+          <a:p>
+            <a:r>
+              <a:rPr lang="en-US" sz="2000" dirty="0" err="1" smtClean="0">
+                <a:latin typeface="Baskerville Old Face" pitchFamily="18" charset="0"/>
+              </a:rPr>
+              <a:t>Youtube</a:t>
+            </a:r>
+            <a:r>
+              <a:rPr lang="en-US" sz="2000" dirty="0" smtClean="0">
+                <a:latin typeface="Baskerville Old Face" pitchFamily="18" charset="0"/>
+              </a:rPr>
+              <a:t> link</a:t>
+            </a:r>
+            <a:r>
+              <a:rPr lang="en-US" sz="2000" dirty="0" smtClean="0">
+                <a:latin typeface="Baskerville Old Face" pitchFamily="18" charset="0"/>
+              </a:rPr>
+              <a:t>: </a:t>
+            </a:r>
+            <a:r>
+              <a:rPr lang="en-US" sz="2000" dirty="0" smtClean="0">
+                <a:latin typeface="Baskerville Old Face" pitchFamily="18" charset="0"/>
+                <a:hlinkClick r:id="rId6"/>
+              </a:rPr>
+              <a:t>https://youtu.be/TuV4TRK1Aps</a:t>
+            </a:r>
+            <a:endParaRPr lang="en-US" sz="2000" dirty="0" smtClean="0">
+              <a:latin typeface="Baskerville Old Face" pitchFamily="18" charset="0"/>
             </a:endParaRPr>
           </a:p>
         </p:txBody>
@@ -3944,6 +4013,13 @@
   <p:clrMapOvr>
     <a:masterClrMapping/>
   </p:clrMapOvr>
+  <p:timing>
+    <p:tnLst>
+      <p:par>
+        <p:cTn id="1" dur="indefinite" restart="never" nodeType="tmRoot"/>
+      </p:par>
+    </p:tnLst>
+  </p:timing>
 </p:sld>
 </file>
 
@@ -5848,7 +5924,7 @@
                 </a:solidFill>
                 <a:latin typeface="Britannic Bold" pitchFamily="34" charset="0"/>
               </a:rPr>
-              <a:t>BIBLIOGRAPHY USED</a:t>
+              <a:t>BIBLIOGRAPHY</a:t>
             </a:r>
           </a:p>
           <a:p>
